--- a/Lecture-33/Lecture-33.pptx
+++ b/Lecture-33/Lecture-33.pptx
@@ -10203,7 +10203,7 @@
           <a:p>
             <a:fld id="{7E3D4EF1-0385-43D3-A179-699E3F2FE344}" type="datetime1">
               <a:rPr lang="en-IN" smtClean="0"/>
-              <a:t>27-11-2024</a:t>
+              <a:t>28-11-2024</a:t>
             </a:fld>
             <a:endParaRPr lang="en-IN" dirty="0"/>
           </a:p>
@@ -15489,8 +15489,8 @@
         </p:nvSpPr>
         <p:spPr bwMode="auto">
           <a:xfrm>
-            <a:off x="381000" y="1038453"/>
-            <a:ext cx="8542193" cy="3393237"/>
+            <a:off x="381000" y="1176952"/>
+            <a:ext cx="8542193" cy="3116238"/>
           </a:xfrm>
           <a:prstGeom prst="rect">
             <a:avLst/>
@@ -15616,36 +15616,6 @@
                 <a:spcPct val="0"/>
               </a:spcAft>
             </a:pPr>
-            <a:endParaRPr lang="en-US" sz="1800" dirty="0">
-              <a:latin typeface="Calibri" panose="020F0502020204030204" pitchFamily="34" charset="0"/>
-              <a:cs typeface="Calibri" panose="020F0502020204030204" pitchFamily="34" charset="0"/>
-            </a:endParaRPr>
-          </a:p>
-          <a:p>
-            <a:pPr marL="257175" indent="-257175" defTabSz="685800" eaLnBrk="0" fontAlgn="base" hangingPunct="0">
-              <a:spcBef>
-                <a:spcPct val="0"/>
-              </a:spcBef>
-              <a:spcAft>
-                <a:spcPct val="0"/>
-              </a:spcAft>
-              <a:buFont typeface="Arial" panose="020B0604020202020204" pitchFamily="34" charset="0"/>
-              <a:buChar char="•"/>
-            </a:pPr>
-            <a:r>
-              <a:rPr lang="en-US" sz="1800" dirty="0">
-                <a:latin typeface="Calibri" panose="020F0502020204030204" pitchFamily="34" charset="0"/>
-                <a:cs typeface="Calibri" panose="020F0502020204030204" pitchFamily="34" charset="0"/>
-              </a:rPr>
-              <a:t>How to fetch data from API (</a:t>
-            </a:r>
-            <a:r>
-              <a:rPr lang="en-IN" sz="1800" dirty="0">
-                <a:latin typeface="Calibri" panose="020F0502020204030204" pitchFamily="34" charset="0"/>
-                <a:cs typeface="Calibri" panose="020F0502020204030204" pitchFamily="34" charset="0"/>
-              </a:rPr>
-              <a:t>Data service)</a:t>
-            </a:r>
             <a:endParaRPr lang="en-US" sz="1800" dirty="0">
               <a:latin typeface="Calibri" panose="020F0502020204030204" pitchFamily="34" charset="0"/>
               <a:cs typeface="Calibri" panose="020F0502020204030204" pitchFamily="34" charset="0"/>
